--- a/latex/graphics/coord_systems.pptx
+++ b/latex/graphics/coord_systems.pptx
@@ -104,6 +104,11 @@
       </a:defRPr>
     </a:lvl9pPr>
   </p:defaultTextStyle>
+  <p:extLst>
+    <p:ext uri="{EFAFB233-063F-42B5-8137-9DF3F51BA10A}">
+      <p15:sldGuideLst xmlns:p15="http://schemas.microsoft.com/office/powerpoint/2012/main"/>
+    </p:ext>
+  </p:extLst>
 </p:presentation>
 </file>
 
@@ -238,7 +243,7 @@
           <a:p>
             <a:fld id="{756EAD3C-DB18-4496-A00C-8D5D1DA10442}" type="datetimeFigureOut">
               <a:rPr lang="de-CH" smtClean="0"/>
-              <a:t>10.12.2016</a:t>
+              <a:t>06.01.2017</a:t>
             </a:fld>
             <a:endParaRPr lang="de-CH"/>
           </a:p>
@@ -408,7 +413,7 @@
           <a:p>
             <a:fld id="{756EAD3C-DB18-4496-A00C-8D5D1DA10442}" type="datetimeFigureOut">
               <a:rPr lang="de-CH" smtClean="0"/>
-              <a:t>10.12.2016</a:t>
+              <a:t>06.01.2017</a:t>
             </a:fld>
             <a:endParaRPr lang="de-CH"/>
           </a:p>
@@ -588,7 +593,7 @@
           <a:p>
             <a:fld id="{756EAD3C-DB18-4496-A00C-8D5D1DA10442}" type="datetimeFigureOut">
               <a:rPr lang="de-CH" smtClean="0"/>
-              <a:t>10.12.2016</a:t>
+              <a:t>06.01.2017</a:t>
             </a:fld>
             <a:endParaRPr lang="de-CH"/>
           </a:p>
@@ -758,7 +763,7 @@
           <a:p>
             <a:fld id="{756EAD3C-DB18-4496-A00C-8D5D1DA10442}" type="datetimeFigureOut">
               <a:rPr lang="de-CH" smtClean="0"/>
-              <a:t>10.12.2016</a:t>
+              <a:t>06.01.2017</a:t>
             </a:fld>
             <a:endParaRPr lang="de-CH"/>
           </a:p>
@@ -1004,7 +1009,7 @@
           <a:p>
             <a:fld id="{756EAD3C-DB18-4496-A00C-8D5D1DA10442}" type="datetimeFigureOut">
               <a:rPr lang="de-CH" smtClean="0"/>
-              <a:t>10.12.2016</a:t>
+              <a:t>06.01.2017</a:t>
             </a:fld>
             <a:endParaRPr lang="de-CH"/>
           </a:p>
@@ -1236,7 +1241,7 @@
           <a:p>
             <a:fld id="{756EAD3C-DB18-4496-A00C-8D5D1DA10442}" type="datetimeFigureOut">
               <a:rPr lang="de-CH" smtClean="0"/>
-              <a:t>10.12.2016</a:t>
+              <a:t>06.01.2017</a:t>
             </a:fld>
             <a:endParaRPr lang="de-CH"/>
           </a:p>
@@ -1603,7 +1608,7 @@
           <a:p>
             <a:fld id="{756EAD3C-DB18-4496-A00C-8D5D1DA10442}" type="datetimeFigureOut">
               <a:rPr lang="de-CH" smtClean="0"/>
-              <a:t>10.12.2016</a:t>
+              <a:t>06.01.2017</a:t>
             </a:fld>
             <a:endParaRPr lang="de-CH"/>
           </a:p>
@@ -1721,7 +1726,7 @@
           <a:p>
             <a:fld id="{756EAD3C-DB18-4496-A00C-8D5D1DA10442}" type="datetimeFigureOut">
               <a:rPr lang="de-CH" smtClean="0"/>
-              <a:t>10.12.2016</a:t>
+              <a:t>06.01.2017</a:t>
             </a:fld>
             <a:endParaRPr lang="de-CH"/>
           </a:p>
@@ -1816,7 +1821,7 @@
           <a:p>
             <a:fld id="{756EAD3C-DB18-4496-A00C-8D5D1DA10442}" type="datetimeFigureOut">
               <a:rPr lang="de-CH" smtClean="0"/>
-              <a:t>10.12.2016</a:t>
+              <a:t>06.01.2017</a:t>
             </a:fld>
             <a:endParaRPr lang="de-CH"/>
           </a:p>
@@ -2093,7 +2098,7 @@
           <a:p>
             <a:fld id="{756EAD3C-DB18-4496-A00C-8D5D1DA10442}" type="datetimeFigureOut">
               <a:rPr lang="de-CH" smtClean="0"/>
-              <a:t>10.12.2016</a:t>
+              <a:t>06.01.2017</a:t>
             </a:fld>
             <a:endParaRPr lang="de-CH"/>
           </a:p>
@@ -2346,7 +2351,7 @@
           <a:p>
             <a:fld id="{756EAD3C-DB18-4496-A00C-8D5D1DA10442}" type="datetimeFigureOut">
               <a:rPr lang="de-CH" smtClean="0"/>
-              <a:t>10.12.2016</a:t>
+              <a:t>06.01.2017</a:t>
             </a:fld>
             <a:endParaRPr lang="de-CH"/>
           </a:p>
@@ -2559,7 +2564,7 @@
           <a:p>
             <a:fld id="{756EAD3C-DB18-4496-A00C-8D5D1DA10442}" type="datetimeFigureOut">
               <a:rPr lang="de-CH" smtClean="0"/>
-              <a:t>10.12.2016</a:t>
+              <a:t>06.01.2017</a:t>
             </a:fld>
             <a:endParaRPr lang="de-CH"/>
           </a:p>
@@ -4206,8 +4211,8 @@
             <a:solidFill>
               <a:schemeClr val="tx1"/>
             </a:solidFill>
-            <a:headEnd type="stealth" w="lg" len="lg"/>
-            <a:tailEnd type="none" w="med" len="med"/>
+            <a:headEnd type="none" w="lg" len="lg"/>
+            <a:tailEnd type="stealth" w="med" len="med"/>
           </a:ln>
         </p:spPr>
         <p:style>
@@ -4229,7 +4234,7 @@
           <a:lstStyle/>
           <a:p>
             <a:pPr algn="ctr"/>
-            <a:endParaRPr lang="de-CH"/>
+            <a:endParaRPr lang="de-CH" dirty="0"/>
           </a:p>
         </p:txBody>
       </p:sp>
@@ -4295,7 +4300,7 @@
             </a:r>
             <a:r>
               <a:rPr lang="de-CH" baseline="-25000" dirty="0"/>
-              <a:t>C1W</a:t>
+              <a:t>WC1</a:t>
             </a:r>
             <a:endParaRPr lang="de-CH" dirty="0"/>
           </a:p>
@@ -4318,9 +4323,8 @@
           <a:noFill/>
           <a:ln>
             <a:solidFill>
-              <a:schemeClr val="accent1">
-                <a:lumMod val="20000"/>
-                <a:lumOff val="80000"/>
+              <a:schemeClr val="accent5">
+                <a:lumMod val="75000"/>
               </a:schemeClr>
             </a:solidFill>
           </a:ln>
@@ -4365,6 +4369,9 @@
             <a:avLst/>
           </a:prstGeom>
           <a:noFill/>
+          <a:ln>
+            <a:noFill/>
+          </a:ln>
         </p:spPr>
         <p:txBody>
           <a:bodyPr wrap="square" rtlCol="0">
@@ -4376,9 +4383,8 @@
             <a:r>
               <a:rPr lang="de-CH" sz="1400" dirty="0">
                 <a:solidFill>
-                  <a:schemeClr val="accent1">
-                    <a:lumMod val="20000"/>
-                    <a:lumOff val="80000"/>
+                  <a:schemeClr val="accent5">
+                    <a:lumMod val="75000"/>
                   </a:schemeClr>
                 </a:solidFill>
               </a:rPr>
